--- a/ppt/figures.pptx
+++ b/ppt/figures.pptx
@@ -5,7 +5,9 @@
     <p:sldMasterId id="2147483648" r:id="rId1"/>
   </p:sldMasterIdLst>
   <p:sldIdLst>
-    <p:sldId id="256" r:id="rId2"/>
+    <p:sldId id="257" r:id="rId2"/>
+    <p:sldId id="259" r:id="rId3"/>
+    <p:sldId id="258" r:id="rId4"/>
   </p:sldIdLst>
   <p:sldSz cx="12192000" cy="6858000"/>
   <p:notesSz cx="6858000" cy="9144000"/>
@@ -104,6 +106,11 @@
       </a:defRPr>
     </a:lvl9pPr>
   </p:defaultTextStyle>
+  <p:extLst>
+    <p:ext uri="{EFAFB233-063F-42B5-8137-9DF3F51BA10A}">
+      <p15:sldGuideLst xmlns:p15="http://schemas.microsoft.com/office/powerpoint/2012/main"/>
+    </p:ext>
+  </p:extLst>
 </p:presentation>
 </file>
 
@@ -254,7 +261,7 @@
           <a:p>
             <a:fld id="{C2B90DAE-E059-466C-8E92-F78B85FC3301}" type="datetimeFigureOut">
               <a:rPr kumimoji="1" lang="ja-JP" altLang="en-US" smtClean="0"/>
-              <a:t>2018/8/25</a:t>
+              <a:t>2018/12/28</a:t>
             </a:fld>
             <a:endParaRPr kumimoji="1" lang="ja-JP" altLang="en-US"/>
           </a:p>
@@ -484,7 +491,7 @@
           <a:p>
             <a:fld id="{C2B90DAE-E059-466C-8E92-F78B85FC3301}" type="datetimeFigureOut">
               <a:rPr kumimoji="1" lang="ja-JP" altLang="en-US" smtClean="0"/>
-              <a:t>2018/8/25</a:t>
+              <a:t>2018/12/28</a:t>
             </a:fld>
             <a:endParaRPr kumimoji="1" lang="ja-JP" altLang="en-US"/>
           </a:p>
@@ -724,7 +731,7 @@
           <a:p>
             <a:fld id="{C2B90DAE-E059-466C-8E92-F78B85FC3301}" type="datetimeFigureOut">
               <a:rPr kumimoji="1" lang="ja-JP" altLang="en-US" smtClean="0"/>
-              <a:t>2018/8/25</a:t>
+              <a:t>2018/12/28</a:t>
             </a:fld>
             <a:endParaRPr kumimoji="1" lang="ja-JP" altLang="en-US"/>
           </a:p>
@@ -954,7 +961,7 @@
           <a:p>
             <a:fld id="{C2B90DAE-E059-466C-8E92-F78B85FC3301}" type="datetimeFigureOut">
               <a:rPr kumimoji="1" lang="ja-JP" altLang="en-US" smtClean="0"/>
-              <a:t>2018/8/25</a:t>
+              <a:t>2018/12/28</a:t>
             </a:fld>
             <a:endParaRPr kumimoji="1" lang="ja-JP" altLang="en-US"/>
           </a:p>
@@ -1229,7 +1236,7 @@
           <a:p>
             <a:fld id="{C2B90DAE-E059-466C-8E92-F78B85FC3301}" type="datetimeFigureOut">
               <a:rPr kumimoji="1" lang="ja-JP" altLang="en-US" smtClean="0"/>
-              <a:t>2018/8/25</a:t>
+              <a:t>2018/12/28</a:t>
             </a:fld>
             <a:endParaRPr kumimoji="1" lang="ja-JP" altLang="en-US"/>
           </a:p>
@@ -1558,7 +1565,7 @@
           <a:p>
             <a:fld id="{C2B90DAE-E059-466C-8E92-F78B85FC3301}" type="datetimeFigureOut">
               <a:rPr kumimoji="1" lang="ja-JP" altLang="en-US" smtClean="0"/>
-              <a:t>2018/8/25</a:t>
+              <a:t>2018/12/28</a:t>
             </a:fld>
             <a:endParaRPr kumimoji="1" lang="ja-JP" altLang="en-US"/>
           </a:p>
@@ -2034,7 +2041,7 @@
           <a:p>
             <a:fld id="{C2B90DAE-E059-466C-8E92-F78B85FC3301}" type="datetimeFigureOut">
               <a:rPr kumimoji="1" lang="ja-JP" altLang="en-US" smtClean="0"/>
-              <a:t>2018/8/25</a:t>
+              <a:t>2018/12/28</a:t>
             </a:fld>
             <a:endParaRPr kumimoji="1" lang="ja-JP" altLang="en-US"/>
           </a:p>
@@ -2175,7 +2182,7 @@
           <a:p>
             <a:fld id="{C2B90DAE-E059-466C-8E92-F78B85FC3301}" type="datetimeFigureOut">
               <a:rPr kumimoji="1" lang="ja-JP" altLang="en-US" smtClean="0"/>
-              <a:t>2018/8/25</a:t>
+              <a:t>2018/12/28</a:t>
             </a:fld>
             <a:endParaRPr kumimoji="1" lang="ja-JP" altLang="en-US"/>
           </a:p>
@@ -2288,7 +2295,7 @@
           <a:p>
             <a:fld id="{C2B90DAE-E059-466C-8E92-F78B85FC3301}" type="datetimeFigureOut">
               <a:rPr kumimoji="1" lang="ja-JP" altLang="en-US" smtClean="0"/>
-              <a:t>2018/8/25</a:t>
+              <a:t>2018/12/28</a:t>
             </a:fld>
             <a:endParaRPr kumimoji="1" lang="ja-JP" altLang="en-US"/>
           </a:p>
@@ -2631,7 +2638,7 @@
           <a:p>
             <a:fld id="{C2B90DAE-E059-466C-8E92-F78B85FC3301}" type="datetimeFigureOut">
               <a:rPr kumimoji="1" lang="ja-JP" altLang="en-US" smtClean="0"/>
-              <a:t>2018/8/25</a:t>
+              <a:t>2018/12/28</a:t>
             </a:fld>
             <a:endParaRPr kumimoji="1" lang="ja-JP" altLang="en-US"/>
           </a:p>
@@ -2919,7 +2926,7 @@
           <a:p>
             <a:fld id="{C2B90DAE-E059-466C-8E92-F78B85FC3301}" type="datetimeFigureOut">
               <a:rPr kumimoji="1" lang="ja-JP" altLang="en-US" smtClean="0"/>
-              <a:t>2018/8/25</a:t>
+              <a:t>2018/12/28</a:t>
             </a:fld>
             <a:endParaRPr kumimoji="1" lang="ja-JP" altLang="en-US"/>
           </a:p>
@@ -3192,7 +3199,7 @@
           <a:p>
             <a:fld id="{C2B90DAE-E059-466C-8E92-F78B85FC3301}" type="datetimeFigureOut">
               <a:rPr kumimoji="1" lang="ja-JP" altLang="en-US" smtClean="0"/>
-              <a:t>2018/8/25</a:t>
+              <a:t>2018/12/28</a:t>
             </a:fld>
             <a:endParaRPr kumimoji="1" lang="ja-JP" altLang="en-US"/>
           </a:p>
@@ -3611,10 +3618,10 @@
       </p:grpSpPr>
       <p:pic>
         <p:nvPicPr>
-          <p:cNvPr id="19" name="図 18">
-            <a:extLst>
-              <a:ext uri="{FF2B5EF4-FFF2-40B4-BE49-F238E27FC236}">
-                <a16:creationId xmlns:a16="http://schemas.microsoft.com/office/drawing/2014/main" id="{CBC6228B-B073-45B9-8863-2BC6158DD43A}"/>
+          <p:cNvPr id="8" name="図 7">
+            <a:extLst>
+              <a:ext uri="{FF2B5EF4-FFF2-40B4-BE49-F238E27FC236}">
+                <a16:creationId xmlns:a16="http://schemas.microsoft.com/office/drawing/2014/main" id="{984A3DA0-1325-4F1B-993D-5CC1F8B74247}"/>
               </a:ext>
             </a:extLst>
           </p:cNvPr>
@@ -3626,17 +3633,8 @@
         <p:blipFill>
           <a:blip r:embed="rId2">
             <a:extLst>
-              <a:ext uri="{BEBA8EAE-BF5A-486C-A8C5-ECC9F3942E4B}">
-                <a14:imgProps xmlns:a14="http://schemas.microsoft.com/office/drawing/2010/main">
-                  <a14:imgLayer r:embed="rId3">
-                    <a14:imgEffect>
-                      <a14:saturation sat="65000"/>
-                    </a14:imgEffect>
-                    <a14:imgEffect>
-                      <a14:brightnessContrast bright="-7000" contrast="-17000"/>
-                    </a14:imgEffect>
-                  </a14:imgLayer>
-                </a14:imgProps>
+              <a:ext uri="{28A0092B-C50C-407E-A947-70E740481C1C}">
+                <a14:useLocalDpi xmlns:a14="http://schemas.microsoft.com/office/drawing/2010/main" val="0"/>
               </a:ext>
             </a:extLst>
           </a:blip>
@@ -3646,8 +3644,8 @@
         </p:blipFill>
         <p:spPr>
           <a:xfrm>
-            <a:off x="1776862" y="1081397"/>
-            <a:ext cx="7190476" cy="4961905"/>
+            <a:off x="2376952" y="2081381"/>
+            <a:ext cx="7438095" cy="2695238"/>
           </a:xfrm>
           <a:prstGeom prst="rect">
             <a:avLst/>
@@ -3656,10 +3654,10 @@
       </p:pic>
       <p:sp>
         <p:nvSpPr>
-          <p:cNvPr id="20" name="正方形/長方形 19">
-            <a:extLst>
-              <a:ext uri="{FF2B5EF4-FFF2-40B4-BE49-F238E27FC236}">
-                <a16:creationId xmlns:a16="http://schemas.microsoft.com/office/drawing/2014/main" id="{1FF13EF8-D8C1-41C6-A903-BD15BD348C55}"/>
+          <p:cNvPr id="9" name="正方形/長方形 8">
+            <a:extLst>
+              <a:ext uri="{FF2B5EF4-FFF2-40B4-BE49-F238E27FC236}">
+                <a16:creationId xmlns:a16="http://schemas.microsoft.com/office/drawing/2014/main" id="{AD35CA37-A253-486E-AEFB-8737FEF661BE}"/>
               </a:ext>
             </a:extLst>
           </p:cNvPr>
@@ -3668,8 +3666,355 @@
         </p:nvSpPr>
         <p:spPr>
           <a:xfrm>
-            <a:off x="5419725" y="3171826"/>
-            <a:ext cx="3438526" cy="1647824"/>
+            <a:off x="2397512" y="2274849"/>
+            <a:ext cx="1773044" cy="234175"/>
+          </a:xfrm>
+          <a:prstGeom prst="rect">
+            <a:avLst/>
+          </a:prstGeom>
+          <a:noFill/>
+          <a:ln w="38100">
+            <a:solidFill>
+              <a:srgbClr val="FF0000"/>
+            </a:solidFill>
+            <a:prstDash val="sysDot"/>
+          </a:ln>
+        </p:spPr>
+        <p:style>
+          <a:lnRef idx="2">
+            <a:schemeClr val="accent1">
+              <a:shade val="50000"/>
+            </a:schemeClr>
+          </a:lnRef>
+          <a:fillRef idx="1">
+            <a:schemeClr val="accent1"/>
+          </a:fillRef>
+          <a:effectRef idx="0">
+            <a:schemeClr val="accent1"/>
+          </a:effectRef>
+          <a:fontRef idx="minor">
+            <a:schemeClr val="lt1"/>
+          </a:fontRef>
+        </p:style>
+        <p:txBody>
+          <a:bodyPr rtlCol="0" anchor="ctr"/>
+          <a:lstStyle/>
+          <a:p>
+            <a:pPr algn="ctr"/>
+            <a:endParaRPr kumimoji="1" lang="ja-JP" altLang="en-US"/>
+          </a:p>
+        </p:txBody>
+      </p:sp>
+      <p:sp>
+        <p:nvSpPr>
+          <p:cNvPr id="34" name="正方形/長方形 33">
+            <a:extLst>
+              <a:ext uri="{FF2B5EF4-FFF2-40B4-BE49-F238E27FC236}">
+                <a16:creationId xmlns:a16="http://schemas.microsoft.com/office/drawing/2014/main" id="{0C0CEB92-5618-4DCA-A9A8-8679434CA474}"/>
+              </a:ext>
+            </a:extLst>
+          </p:cNvPr>
+          <p:cNvSpPr/>
+          <p:nvPr/>
+        </p:nvSpPr>
+        <p:spPr>
+          <a:xfrm>
+            <a:off x="6262929" y="3283528"/>
+            <a:ext cx="3552117" cy="734290"/>
+          </a:xfrm>
+          <a:prstGeom prst="rect">
+            <a:avLst/>
+          </a:prstGeom>
+          <a:noFill/>
+          <a:ln w="38100">
+            <a:solidFill>
+              <a:srgbClr val="FF0000"/>
+            </a:solidFill>
+            <a:prstDash val="sysDot"/>
+          </a:ln>
+        </p:spPr>
+        <p:style>
+          <a:lnRef idx="2">
+            <a:schemeClr val="accent1">
+              <a:shade val="50000"/>
+            </a:schemeClr>
+          </a:lnRef>
+          <a:fillRef idx="1">
+            <a:schemeClr val="accent1"/>
+          </a:fillRef>
+          <a:effectRef idx="0">
+            <a:schemeClr val="accent1"/>
+          </a:effectRef>
+          <a:fontRef idx="minor">
+            <a:schemeClr val="lt1"/>
+          </a:fontRef>
+        </p:style>
+        <p:txBody>
+          <a:bodyPr rtlCol="0" anchor="ctr"/>
+          <a:lstStyle/>
+          <a:p>
+            <a:pPr algn="ctr"/>
+            <a:endParaRPr kumimoji="1" lang="ja-JP" altLang="en-US"/>
+          </a:p>
+        </p:txBody>
+      </p:sp>
+    </p:spTree>
+    <p:extLst>
+      <p:ext uri="{BB962C8B-B14F-4D97-AF65-F5344CB8AC3E}">
+        <p14:creationId xmlns:p14="http://schemas.microsoft.com/office/powerpoint/2010/main" val="3266524800"/>
+      </p:ext>
+    </p:extLst>
+  </p:cSld>
+  <p:clrMapOvr>
+    <a:masterClrMapping/>
+  </p:clrMapOvr>
+</p:sld>
+</file>
+
+<file path=ppt/slides/slide2.xml><?xml version="1.0" encoding="utf-8"?>
+<p:sld xmlns:a="http://schemas.openxmlformats.org/drawingml/2006/main" xmlns:r="http://schemas.openxmlformats.org/officeDocument/2006/relationships" xmlns:p="http://schemas.openxmlformats.org/presentationml/2006/main">
+  <p:cSld>
+    <p:spTree>
+      <p:nvGrpSpPr>
+        <p:cNvPr id="1" name=""/>
+        <p:cNvGrpSpPr/>
+        <p:nvPr/>
+      </p:nvGrpSpPr>
+      <p:grpSpPr>
+        <a:xfrm>
+          <a:off x="0" y="0"/>
+          <a:ext cx="0" cy="0"/>
+          <a:chOff x="0" y="0"/>
+          <a:chExt cx="0" cy="0"/>
+        </a:xfrm>
+      </p:grpSpPr>
+      <p:pic>
+        <p:nvPicPr>
+          <p:cNvPr id="3" name="図 2">
+            <a:extLst>
+              <a:ext uri="{FF2B5EF4-FFF2-40B4-BE49-F238E27FC236}">
+                <a16:creationId xmlns:a16="http://schemas.microsoft.com/office/drawing/2014/main" id="{20053B63-8CB0-4DE5-AF33-261CFC0DA9C4}"/>
+              </a:ext>
+            </a:extLst>
+          </p:cNvPr>
+          <p:cNvPicPr>
+            <a:picLocks noChangeAspect="1"/>
+          </p:cNvPicPr>
+          <p:nvPr/>
+        </p:nvPicPr>
+        <p:blipFill>
+          <a:blip r:embed="rId2"/>
+          <a:stretch>
+            <a:fillRect/>
+          </a:stretch>
+        </p:blipFill>
+        <p:spPr>
+          <a:xfrm>
+            <a:off x="2386476" y="2081393"/>
+            <a:ext cx="7419048" cy="2885714"/>
+          </a:xfrm>
+          <a:prstGeom prst="rect">
+            <a:avLst/>
+          </a:prstGeom>
+        </p:spPr>
+      </p:pic>
+      <p:sp>
+        <p:nvSpPr>
+          <p:cNvPr id="9" name="正方形/長方形 8">
+            <a:extLst>
+              <a:ext uri="{FF2B5EF4-FFF2-40B4-BE49-F238E27FC236}">
+                <a16:creationId xmlns:a16="http://schemas.microsoft.com/office/drawing/2014/main" id="{AD35CA37-A253-486E-AEFB-8737FEF661BE}"/>
+              </a:ext>
+            </a:extLst>
+          </p:cNvPr>
+          <p:cNvSpPr/>
+          <p:nvPr/>
+        </p:nvSpPr>
+        <p:spPr>
+          <a:xfrm>
+            <a:off x="2454661" y="2732049"/>
+            <a:ext cx="1860163" cy="234175"/>
+          </a:xfrm>
+          <a:prstGeom prst="rect">
+            <a:avLst/>
+          </a:prstGeom>
+          <a:noFill/>
+          <a:ln w="38100">
+            <a:solidFill>
+              <a:srgbClr val="FF0000"/>
+            </a:solidFill>
+            <a:prstDash val="sysDot"/>
+          </a:ln>
+        </p:spPr>
+        <p:style>
+          <a:lnRef idx="2">
+            <a:schemeClr val="accent1">
+              <a:shade val="50000"/>
+            </a:schemeClr>
+          </a:lnRef>
+          <a:fillRef idx="1">
+            <a:schemeClr val="accent1"/>
+          </a:fillRef>
+          <a:effectRef idx="0">
+            <a:schemeClr val="accent1"/>
+          </a:effectRef>
+          <a:fontRef idx="minor">
+            <a:schemeClr val="lt1"/>
+          </a:fontRef>
+        </p:style>
+        <p:txBody>
+          <a:bodyPr rtlCol="0" anchor="ctr"/>
+          <a:lstStyle/>
+          <a:p>
+            <a:pPr algn="ctr"/>
+            <a:endParaRPr kumimoji="1" lang="ja-JP" altLang="en-US"/>
+          </a:p>
+        </p:txBody>
+      </p:sp>
+      <p:sp>
+        <p:nvSpPr>
+          <p:cNvPr id="7" name="正方形/長方形 6">
+            <a:extLst>
+              <a:ext uri="{FF2B5EF4-FFF2-40B4-BE49-F238E27FC236}">
+                <a16:creationId xmlns:a16="http://schemas.microsoft.com/office/drawing/2014/main" id="{41150E07-83C2-41B4-905D-F408A12F4BCF}"/>
+              </a:ext>
+            </a:extLst>
+          </p:cNvPr>
+          <p:cNvSpPr/>
+          <p:nvPr/>
+        </p:nvSpPr>
+        <p:spPr>
+          <a:xfrm>
+            <a:off x="2952750" y="3019425"/>
+            <a:ext cx="1200149" cy="1680349"/>
+          </a:xfrm>
+          <a:prstGeom prst="rect">
+            <a:avLst/>
+          </a:prstGeom>
+          <a:noFill/>
+          <a:ln w="22225">
+            <a:solidFill>
+              <a:schemeClr val="tx1"/>
+            </a:solidFill>
+            <a:prstDash val="dash"/>
+          </a:ln>
+        </p:spPr>
+        <p:style>
+          <a:lnRef idx="2">
+            <a:schemeClr val="accent1">
+              <a:shade val="50000"/>
+            </a:schemeClr>
+          </a:lnRef>
+          <a:fillRef idx="1">
+            <a:schemeClr val="accent1"/>
+          </a:fillRef>
+          <a:effectRef idx="0">
+            <a:schemeClr val="accent1"/>
+          </a:effectRef>
+          <a:fontRef idx="minor">
+            <a:schemeClr val="lt1"/>
+          </a:fontRef>
+        </p:style>
+        <p:txBody>
+          <a:bodyPr rtlCol="0" anchor="ctr"/>
+          <a:lstStyle/>
+          <a:p>
+            <a:pPr algn="ctr"/>
+            <a:endParaRPr kumimoji="1" lang="ja-JP" altLang="en-US"/>
+          </a:p>
+        </p:txBody>
+      </p:sp>
+    </p:spTree>
+    <p:extLst>
+      <p:ext uri="{BB962C8B-B14F-4D97-AF65-F5344CB8AC3E}">
+        <p14:creationId xmlns:p14="http://schemas.microsoft.com/office/powerpoint/2010/main" val="2683861167"/>
+      </p:ext>
+    </p:extLst>
+  </p:cSld>
+  <p:clrMapOvr>
+    <a:masterClrMapping/>
+  </p:clrMapOvr>
+</p:sld>
+</file>
+
+<file path=ppt/slides/slide3.xml><?xml version="1.0" encoding="utf-8"?>
+<p:sld xmlns:a="http://schemas.openxmlformats.org/drawingml/2006/main" xmlns:r="http://schemas.openxmlformats.org/officeDocument/2006/relationships" xmlns:p="http://schemas.openxmlformats.org/presentationml/2006/main">
+  <p:cSld>
+    <p:spTree>
+      <p:nvGrpSpPr>
+        <p:cNvPr id="1" name=""/>
+        <p:cNvGrpSpPr/>
+        <p:nvPr/>
+      </p:nvGrpSpPr>
+      <p:grpSpPr>
+        <a:xfrm>
+          <a:off x="0" y="0"/>
+          <a:ext cx="0" cy="0"/>
+          <a:chOff x="0" y="0"/>
+          <a:chExt cx="0" cy="0"/>
+        </a:xfrm>
+      </p:grpSpPr>
+      <p:pic>
+        <p:nvPicPr>
+          <p:cNvPr id="5" name="図 4">
+            <a:extLst>
+              <a:ext uri="{FF2B5EF4-FFF2-40B4-BE49-F238E27FC236}">
+                <a16:creationId xmlns:a16="http://schemas.microsoft.com/office/drawing/2014/main" id="{31C57A98-066A-48B6-8758-B9197C27AC85}"/>
+              </a:ext>
+            </a:extLst>
+          </p:cNvPr>
+          <p:cNvPicPr>
+            <a:picLocks noChangeAspect="1"/>
+          </p:cNvPicPr>
+          <p:nvPr/>
+        </p:nvPicPr>
+        <p:blipFill>
+          <a:blip r:embed="rId2">
+            <a:extLst>
+              <a:ext uri="{BEBA8EAE-BF5A-486C-A8C5-ECC9F3942E4B}">
+                <a14:imgProps xmlns:a14="http://schemas.microsoft.com/office/drawing/2010/main">
+                  <a14:imgLayer r:embed="rId3">
+                    <a14:imgEffect>
+                      <a14:saturation sat="76000"/>
+                    </a14:imgEffect>
+                    <a14:imgEffect>
+                      <a14:brightnessContrast bright="-4000" contrast="-34000"/>
+                    </a14:imgEffect>
+                  </a14:imgLayer>
+                </a14:imgProps>
+              </a:ext>
+            </a:extLst>
+          </a:blip>
+          <a:stretch>
+            <a:fillRect/>
+          </a:stretch>
+        </p:blipFill>
+        <p:spPr>
+          <a:xfrm>
+            <a:off x="1838495" y="1003608"/>
+            <a:ext cx="8095600" cy="5494161"/>
+          </a:xfrm>
+          <a:prstGeom prst="rect">
+            <a:avLst/>
+          </a:prstGeom>
+        </p:spPr>
+      </p:pic>
+      <p:sp>
+        <p:nvSpPr>
+          <p:cNvPr id="20" name="正方形/長方形 19">
+            <a:extLst>
+              <a:ext uri="{FF2B5EF4-FFF2-40B4-BE49-F238E27FC236}">
+                <a16:creationId xmlns:a16="http://schemas.microsoft.com/office/drawing/2014/main" id="{1FF13EF8-D8C1-41C6-A903-BD15BD348C55}"/>
+              </a:ext>
+            </a:extLst>
+          </p:cNvPr>
+          <p:cNvSpPr/>
+          <p:nvPr/>
+        </p:nvSpPr>
+        <p:spPr>
+          <a:xfrm>
+            <a:off x="6222379" y="3222702"/>
+            <a:ext cx="3711715" cy="1851103"/>
           </a:xfrm>
           <a:prstGeom prst="rect">
             <a:avLst/>
@@ -3720,7 +4065,7 @@
         </p:nvSpPr>
         <p:spPr>
           <a:xfrm>
-            <a:off x="6418278" y="3870422"/>
+            <a:off x="7377290" y="3870422"/>
             <a:ext cx="1441420" cy="307777"/>
           </a:xfrm>
           <a:prstGeom prst="rect">
@@ -3729,6 +4074,11 @@
           <a:solidFill>
             <a:schemeClr val="bg1"/>
           </a:solidFill>
+          <a:ln>
+            <a:solidFill>
+              <a:schemeClr val="tx1"/>
+            </a:solidFill>
+          </a:ln>
         </p:spPr>
         <p:txBody>
           <a:bodyPr wrap="none" rtlCol="0">
@@ -3770,8 +4120,8 @@
         </p:nvSpPr>
         <p:spPr>
           <a:xfrm>
-            <a:off x="5419725" y="4895850"/>
-            <a:ext cx="3438526" cy="342900"/>
+            <a:off x="6222379" y="5108138"/>
+            <a:ext cx="3711715" cy="400563"/>
           </a:xfrm>
           <a:prstGeom prst="rect">
             <a:avLst/>
@@ -3822,7 +4172,7 @@
         </p:nvSpPr>
         <p:spPr>
           <a:xfrm>
-            <a:off x="6418278" y="4910448"/>
+            <a:off x="7377290" y="5156190"/>
             <a:ext cx="1441420" cy="307777"/>
           </a:xfrm>
           <a:prstGeom prst="rect">
@@ -3831,6 +4181,11 @@
           <a:solidFill>
             <a:schemeClr val="bg1"/>
           </a:solidFill>
+          <a:ln>
+            <a:solidFill>
+              <a:schemeClr val="tx1"/>
+            </a:solidFill>
+          </a:ln>
         </p:spPr>
         <p:txBody>
           <a:bodyPr wrap="none" rtlCol="0">
@@ -3872,8 +4227,8 @@
         </p:nvSpPr>
         <p:spPr>
           <a:xfrm>
-            <a:off x="5419725" y="5307650"/>
-            <a:ext cx="3438526" cy="635949"/>
+            <a:off x="6222379" y="5564459"/>
+            <a:ext cx="3711715" cy="713677"/>
           </a:xfrm>
           <a:prstGeom prst="rect">
             <a:avLst/>
@@ -3924,8 +4279,8 @@
         </p:nvSpPr>
         <p:spPr>
           <a:xfrm>
-            <a:off x="5419725" y="2236950"/>
-            <a:ext cx="3438526" cy="849150"/>
+            <a:off x="6222379" y="2236950"/>
+            <a:ext cx="3711715" cy="952299"/>
           </a:xfrm>
           <a:prstGeom prst="rect">
             <a:avLst/>
@@ -3976,7 +4331,7 @@
         </p:nvSpPr>
         <p:spPr>
           <a:xfrm>
-            <a:off x="6148975" y="2507636"/>
+            <a:off x="7107987" y="2507636"/>
             <a:ext cx="1980029" cy="307777"/>
           </a:xfrm>
           <a:prstGeom prst="rect">
@@ -3985,6 +4340,11 @@
           <a:solidFill>
             <a:schemeClr val="bg1"/>
           </a:solidFill>
+          <a:ln>
+            <a:solidFill>
+              <a:schemeClr val="tx1"/>
+            </a:solidFill>
+          </a:ln>
         </p:spPr>
         <p:txBody>
           <a:bodyPr wrap="none" rtlCol="0" anchor="ctr">
@@ -4027,7 +4387,7 @@
         </p:nvSpPr>
         <p:spPr>
           <a:xfrm>
-            <a:off x="5969439" y="5468826"/>
+            <a:off x="6928451" y="5767497"/>
             <a:ext cx="2339102" cy="307777"/>
           </a:xfrm>
           <a:prstGeom prst="rect">
@@ -4036,6 +4396,11 @@
           <a:solidFill>
             <a:schemeClr val="bg1"/>
           </a:solidFill>
+          <a:ln>
+            <a:solidFill>
+              <a:schemeClr val="tx1"/>
+            </a:solidFill>
+          </a:ln>
         </p:spPr>
         <p:txBody>
           <a:bodyPr wrap="none" rtlCol="0" anchor="ctr">
@@ -4079,7 +4444,7 @@
         <p:spPr>
           <a:xfrm>
             <a:off x="2171700" y="2236950"/>
-            <a:ext cx="3167513" cy="3706649"/>
+            <a:ext cx="3983773" cy="4041187"/>
           </a:xfrm>
           <a:prstGeom prst="rect">
             <a:avLst/>
@@ -4130,7 +4495,7 @@
         </p:nvSpPr>
         <p:spPr>
           <a:xfrm>
-            <a:off x="3006171" y="4511873"/>
+            <a:off x="3509013" y="4622207"/>
             <a:ext cx="1441420" cy="307777"/>
           </a:xfrm>
           <a:prstGeom prst="rect">
@@ -4139,6 +4504,11 @@
           <a:solidFill>
             <a:schemeClr val="bg1"/>
           </a:solidFill>
+          <a:ln>
+            <a:solidFill>
+              <a:schemeClr val="tx1"/>
+            </a:solidFill>
+          </a:ln>
         </p:spPr>
         <p:txBody>
           <a:bodyPr wrap="none" rtlCol="0" anchor="ctr">
@@ -4174,8 +4544,8 @@
         </p:nvSpPr>
         <p:spPr>
           <a:xfrm>
-            <a:off x="1870255" y="2236950"/>
-            <a:ext cx="234770" cy="3706649"/>
+            <a:off x="1870254" y="2236949"/>
+            <a:ext cx="270779" cy="4041187"/>
           </a:xfrm>
           <a:prstGeom prst="rect">
             <a:avLst/>
@@ -4214,84 +4584,20 @@
       </p:sp>
       <p:sp>
         <p:nvSpPr>
-          <p:cNvPr id="33" name="テキスト ボックス 32">
-            <a:extLst>
-              <a:ext uri="{FF2B5EF4-FFF2-40B4-BE49-F238E27FC236}">
-                <a16:creationId xmlns:a16="http://schemas.microsoft.com/office/drawing/2014/main" id="{BACFC63D-8435-4D38-8DA5-F807B25B28A6}"/>
-              </a:ext>
-            </a:extLst>
-          </p:cNvPr>
-          <p:cNvSpPr txBox="1"/>
+          <p:cNvPr id="35" name="正方形/長方形 34">
+            <a:extLst>
+              <a:ext uri="{FF2B5EF4-FFF2-40B4-BE49-F238E27FC236}">
+                <a16:creationId xmlns:a16="http://schemas.microsoft.com/office/drawing/2014/main" id="{0DC9C64C-E4B5-4251-990D-21A5B0461017}"/>
+              </a:ext>
+            </a:extLst>
+          </p:cNvPr>
+          <p:cNvSpPr/>
           <p:nvPr/>
         </p:nvSpPr>
         <p:spPr>
           <a:xfrm>
-            <a:off x="1446465" y="4406764"/>
-            <a:ext cx="1082348" cy="523220"/>
-          </a:xfrm>
-          <a:prstGeom prst="rect">
-            <a:avLst/>
-          </a:prstGeom>
-          <a:solidFill>
-            <a:schemeClr val="bg1"/>
-          </a:solidFill>
-        </p:spPr>
-        <p:txBody>
-          <a:bodyPr wrap="none" rtlCol="0" anchor="ctr">
-            <a:spAutoFit/>
-          </a:bodyPr>
-          <a:lstStyle/>
-          <a:p>
-            <a:pPr algn="ctr"/>
-            <a:r>
-              <a:rPr kumimoji="1" lang="ja-JP" altLang="en-US" sz="1400" dirty="0">
-                <a:solidFill>
-                  <a:srgbClr val="FF0000"/>
-                </a:solidFill>
-                <a:latin typeface="メイリオ" panose="020B0604030504040204" pitchFamily="50" charset="-128"/>
-                <a:ea typeface="メイリオ" panose="020B0604030504040204" pitchFamily="50" charset="-128"/>
-              </a:rPr>
-              <a:t>表示ボタン</a:t>
-            </a:r>
-            <a:endParaRPr lang="en-US" altLang="ja-JP" sz="1400" dirty="0">
-              <a:solidFill>
-                <a:srgbClr val="FF0000"/>
-              </a:solidFill>
-              <a:latin typeface="メイリオ" panose="020B0604030504040204" pitchFamily="50" charset="-128"/>
-              <a:ea typeface="メイリオ" panose="020B0604030504040204" pitchFamily="50" charset="-128"/>
-            </a:endParaRPr>
-          </a:p>
-          <a:p>
-            <a:pPr algn="ctr"/>
-            <a:r>
-              <a:rPr kumimoji="1" lang="ja-JP" altLang="en-US" sz="1400" dirty="0">
-                <a:solidFill>
-                  <a:srgbClr val="FF0000"/>
-                </a:solidFill>
-                <a:latin typeface="メイリオ" panose="020B0604030504040204" pitchFamily="50" charset="-128"/>
-                <a:ea typeface="メイリオ" panose="020B0604030504040204" pitchFamily="50" charset="-128"/>
-              </a:rPr>
-              <a:t>エリア</a:t>
-            </a:r>
-          </a:p>
-        </p:txBody>
-      </p:sp>
-      <p:sp>
-        <p:nvSpPr>
-          <p:cNvPr id="35" name="正方形/長方形 34">
-            <a:extLst>
-              <a:ext uri="{FF2B5EF4-FFF2-40B4-BE49-F238E27FC236}">
-                <a16:creationId xmlns:a16="http://schemas.microsoft.com/office/drawing/2014/main" id="{0DC9C64C-E4B5-4251-990D-21A5B0461017}"/>
-              </a:ext>
-            </a:extLst>
-          </p:cNvPr>
-          <p:cNvSpPr/>
-          <p:nvPr/>
-        </p:nvSpPr>
-        <p:spPr>
-          <a:xfrm>
-            <a:off x="1870255" y="1916065"/>
-            <a:ext cx="5416370" cy="274685"/>
+            <a:off x="1870254" y="1525682"/>
+            <a:ext cx="8054796" cy="636493"/>
           </a:xfrm>
           <a:prstGeom prst="rect">
             <a:avLst/>
@@ -4342,8 +4648,8 @@
         </p:nvSpPr>
         <p:spPr>
           <a:xfrm>
-            <a:off x="3457578" y="1899518"/>
-            <a:ext cx="1620957" cy="307777"/>
+            <a:off x="3688548" y="1690039"/>
+            <a:ext cx="1082349" cy="307777"/>
           </a:xfrm>
           <a:prstGeom prst="rect">
             <a:avLst/>
@@ -4351,154 +4657,48 @@
           <a:solidFill>
             <a:schemeClr val="bg1"/>
           </a:solidFill>
+          <a:ln>
+            <a:solidFill>
+              <a:schemeClr val="tx1"/>
+            </a:solidFill>
+          </a:ln>
         </p:spPr>
         <p:txBody>
-          <a:bodyPr wrap="none" rtlCol="0" anchor="ctr">
+          <a:bodyPr wrap="square" rtlCol="0" anchor="ctr">
             <a:spAutoFit/>
           </a:bodyPr>
           <a:lstStyle/>
           <a:p>
             <a:pPr algn="ctr"/>
             <a:r>
-              <a:rPr lang="ja-JP" altLang="en-US" sz="1400" dirty="0">
+              <a:rPr kumimoji="1" lang="ja-JP" altLang="en-US" sz="1400" dirty="0">
                 <a:solidFill>
                   <a:srgbClr val="FF0000"/>
                 </a:solidFill>
                 <a:latin typeface="メイリオ" panose="020B0604030504040204" pitchFamily="50" charset="-128"/>
                 <a:ea typeface="メイリオ" panose="020B0604030504040204" pitchFamily="50" charset="-128"/>
               </a:rPr>
-              <a:t>編集ボタンエリア</a:t>
-            </a:r>
-            <a:endParaRPr kumimoji="1" lang="ja-JP" altLang="en-US" sz="1400" dirty="0">
-              <a:solidFill>
-                <a:srgbClr val="FF0000"/>
-              </a:solidFill>
-              <a:latin typeface="メイリオ" panose="020B0604030504040204" pitchFamily="50" charset="-128"/>
-              <a:ea typeface="メイリオ" panose="020B0604030504040204" pitchFamily="50" charset="-128"/>
-            </a:endParaRPr>
-          </a:p>
-        </p:txBody>
-      </p:sp>
-      <p:sp>
-        <p:nvSpPr>
-          <p:cNvPr id="37" name="正方形/長方形 36">
-            <a:extLst>
-              <a:ext uri="{FF2B5EF4-FFF2-40B4-BE49-F238E27FC236}">
-                <a16:creationId xmlns:a16="http://schemas.microsoft.com/office/drawing/2014/main" id="{2D59C11D-61C9-430B-B732-0E47CDB4564A}"/>
-              </a:ext>
-            </a:extLst>
-          </p:cNvPr>
-          <p:cNvSpPr/>
+              <a:t>ツールバー</a:t>
+            </a:r>
+          </a:p>
+        </p:txBody>
+      </p:sp>
+      <p:sp>
+        <p:nvSpPr>
+          <p:cNvPr id="31" name="テキスト ボックス 30">
+            <a:extLst>
+              <a:ext uri="{FF2B5EF4-FFF2-40B4-BE49-F238E27FC236}">
+                <a16:creationId xmlns:a16="http://schemas.microsoft.com/office/drawing/2014/main" id="{70AAE6A0-3976-44E8-AEBA-9A7577834CF6}"/>
+              </a:ext>
+            </a:extLst>
+          </p:cNvPr>
+          <p:cNvSpPr txBox="1"/>
           <p:nvPr/>
         </p:nvSpPr>
         <p:spPr>
           <a:xfrm>
-            <a:off x="1870255" y="1575524"/>
-            <a:ext cx="1676190" cy="274685"/>
-          </a:xfrm>
-          <a:prstGeom prst="rect">
-            <a:avLst/>
-          </a:prstGeom>
-          <a:noFill/>
-          <a:ln w="25400">
-            <a:solidFill>
-              <a:srgbClr val="FF0000"/>
-            </a:solidFill>
-          </a:ln>
-        </p:spPr>
-        <p:style>
-          <a:lnRef idx="2">
-            <a:schemeClr val="accent1">
-              <a:shade val="50000"/>
-            </a:schemeClr>
-          </a:lnRef>
-          <a:fillRef idx="1">
-            <a:schemeClr val="accent1"/>
-          </a:fillRef>
-          <a:effectRef idx="0">
-            <a:schemeClr val="accent1"/>
-          </a:effectRef>
-          <a:fontRef idx="minor">
-            <a:schemeClr val="lt1"/>
-          </a:fontRef>
-        </p:style>
-        <p:txBody>
-          <a:bodyPr rtlCol="0" anchor="ctr"/>
-          <a:lstStyle/>
-          <a:p>
-            <a:pPr algn="ctr"/>
-            <a:endParaRPr kumimoji="1" lang="ja-JP" altLang="en-US"/>
-          </a:p>
-        </p:txBody>
-      </p:sp>
-      <p:sp>
-        <p:nvSpPr>
-          <p:cNvPr id="39" name="正方形/長方形 38">
-            <a:extLst>
-              <a:ext uri="{FF2B5EF4-FFF2-40B4-BE49-F238E27FC236}">
-                <a16:creationId xmlns:a16="http://schemas.microsoft.com/office/drawing/2014/main" id="{C02F68D6-7672-41E1-B272-3680137A48A8}"/>
-              </a:ext>
-            </a:extLst>
-          </p:cNvPr>
-          <p:cNvSpPr/>
-          <p:nvPr/>
-        </p:nvSpPr>
-        <p:spPr>
-          <a:xfrm>
-            <a:off x="3666915" y="1575524"/>
-            <a:ext cx="2419560" cy="274685"/>
-          </a:xfrm>
-          <a:prstGeom prst="rect">
-            <a:avLst/>
-          </a:prstGeom>
-          <a:noFill/>
-          <a:ln w="25400">
-            <a:solidFill>
-              <a:srgbClr val="FF0000"/>
-            </a:solidFill>
-          </a:ln>
-        </p:spPr>
-        <p:style>
-          <a:lnRef idx="2">
-            <a:schemeClr val="accent1">
-              <a:shade val="50000"/>
-            </a:schemeClr>
-          </a:lnRef>
-          <a:fillRef idx="1">
-            <a:schemeClr val="accent1"/>
-          </a:fillRef>
-          <a:effectRef idx="0">
-            <a:schemeClr val="accent1"/>
-          </a:effectRef>
-          <a:fontRef idx="minor">
-            <a:schemeClr val="lt1"/>
-          </a:fontRef>
-        </p:style>
-        <p:txBody>
-          <a:bodyPr rtlCol="0" anchor="ctr"/>
-          <a:lstStyle/>
-          <a:p>
-            <a:pPr algn="ctr"/>
-            <a:endParaRPr kumimoji="1" lang="ja-JP" altLang="en-US"/>
-          </a:p>
-        </p:txBody>
-      </p:sp>
-      <p:sp>
-        <p:nvSpPr>
-          <p:cNvPr id="40" name="テキスト ボックス 39">
-            <a:extLst>
-              <a:ext uri="{FF2B5EF4-FFF2-40B4-BE49-F238E27FC236}">
-                <a16:creationId xmlns:a16="http://schemas.microsoft.com/office/drawing/2014/main" id="{071C1190-92AB-4BF2-872C-0B981FBBD16F}"/>
-              </a:ext>
-            </a:extLst>
-          </p:cNvPr>
-          <p:cNvSpPr txBox="1"/>
-          <p:nvPr/>
-        </p:nvSpPr>
-        <p:spPr>
-          <a:xfrm>
-            <a:off x="3893977" y="1321932"/>
-            <a:ext cx="1728688" cy="307777"/>
+            <a:off x="1329079" y="4622207"/>
+            <a:ext cx="1082349" cy="307777"/>
           </a:xfrm>
           <a:prstGeom prst="rect">
             <a:avLst/>
@@ -4506,57 +4706,11 @@
           <a:solidFill>
             <a:schemeClr val="bg1"/>
           </a:solidFill>
-        </p:spPr>
-        <p:txBody>
-          <a:bodyPr wrap="square" rtlCol="0" anchor="ctr">
-            <a:spAutoFit/>
-          </a:bodyPr>
-          <a:lstStyle/>
-          <a:p>
-            <a:pPr algn="ctr"/>
-            <a:r>
-              <a:rPr lang="ja-JP" altLang="en-US" sz="1400" dirty="0">
-                <a:solidFill>
-                  <a:srgbClr val="FF0000"/>
-                </a:solidFill>
-                <a:latin typeface="メイリオ" panose="020B0604030504040204" pitchFamily="50" charset="-128"/>
-                <a:ea typeface="メイリオ" panose="020B0604030504040204" pitchFamily="50" charset="-128"/>
-              </a:rPr>
-              <a:t>計算ボタンエリア</a:t>
-            </a:r>
-            <a:endParaRPr kumimoji="1" lang="ja-JP" altLang="en-US" sz="1400" dirty="0">
-              <a:solidFill>
-                <a:srgbClr val="FF0000"/>
-              </a:solidFill>
-              <a:latin typeface="メイリオ" panose="020B0604030504040204" pitchFamily="50" charset="-128"/>
-              <a:ea typeface="メイリオ" panose="020B0604030504040204" pitchFamily="50" charset="-128"/>
-            </a:endParaRPr>
-          </a:p>
-        </p:txBody>
-      </p:sp>
-      <p:sp>
-        <p:nvSpPr>
-          <p:cNvPr id="41" name="テキスト ボックス 40">
-            <a:extLst>
-              <a:ext uri="{FF2B5EF4-FFF2-40B4-BE49-F238E27FC236}">
-                <a16:creationId xmlns:a16="http://schemas.microsoft.com/office/drawing/2014/main" id="{A0B33681-7886-455F-AF1E-E7E044521D44}"/>
-              </a:ext>
-            </a:extLst>
-          </p:cNvPr>
-          <p:cNvSpPr txBox="1"/>
-          <p:nvPr/>
-        </p:nvSpPr>
-        <p:spPr>
-          <a:xfrm>
-            <a:off x="6558095" y="1558438"/>
-            <a:ext cx="1473813" cy="307777"/>
-          </a:xfrm>
-          <a:prstGeom prst="rect">
-            <a:avLst/>
-          </a:prstGeom>
-          <a:solidFill>
-            <a:schemeClr val="bg1"/>
-          </a:solidFill>
+          <a:ln>
+            <a:solidFill>
+              <a:schemeClr val="tx1"/>
+            </a:solidFill>
+          </a:ln>
         </p:spPr>
         <p:txBody>
           <a:bodyPr wrap="square" rtlCol="0" anchor="ctr">
@@ -4573,66 +4727,15 @@
                 <a:latin typeface="メイリオ" panose="020B0604030504040204" pitchFamily="50" charset="-128"/>
                 <a:ea typeface="メイリオ" panose="020B0604030504040204" pitchFamily="50" charset="-128"/>
               </a:rPr>
-              <a:t>環境設定ボタン</a:t>
-            </a:r>
-          </a:p>
-        </p:txBody>
-      </p:sp>
-      <p:sp>
-        <p:nvSpPr>
-          <p:cNvPr id="38" name="テキスト ボックス 37">
-            <a:extLst>
-              <a:ext uri="{FF2B5EF4-FFF2-40B4-BE49-F238E27FC236}">
-                <a16:creationId xmlns:a16="http://schemas.microsoft.com/office/drawing/2014/main" id="{13DF1437-1244-4011-BB8C-D2C7726DAC73}"/>
-              </a:ext>
-            </a:extLst>
-          </p:cNvPr>
-          <p:cNvSpPr txBox="1"/>
-          <p:nvPr/>
-        </p:nvSpPr>
-        <p:spPr>
-          <a:xfrm>
-            <a:off x="1639917" y="1321932"/>
-            <a:ext cx="2027341" cy="307777"/>
-          </a:xfrm>
-          <a:prstGeom prst="rect">
-            <a:avLst/>
-          </a:prstGeom>
-          <a:solidFill>
-            <a:schemeClr val="bg1"/>
-          </a:solidFill>
-        </p:spPr>
-        <p:txBody>
-          <a:bodyPr wrap="square" rtlCol="0" anchor="ctr">
-            <a:spAutoFit/>
-          </a:bodyPr>
-          <a:lstStyle/>
-          <a:p>
-            <a:pPr algn="ctr"/>
-            <a:r>
-              <a:rPr lang="ja-JP" altLang="en-US" sz="1400" dirty="0">
-                <a:solidFill>
-                  <a:srgbClr val="FF0000"/>
-                </a:solidFill>
-                <a:latin typeface="メイリオ" panose="020B0604030504040204" pitchFamily="50" charset="-128"/>
-                <a:ea typeface="メイリオ" panose="020B0604030504040204" pitchFamily="50" charset="-128"/>
-              </a:rPr>
-              <a:t>ファイルボタンエリア</a:t>
-            </a:r>
-            <a:endParaRPr kumimoji="1" lang="ja-JP" altLang="en-US" sz="1400" dirty="0">
-              <a:solidFill>
-                <a:srgbClr val="FF0000"/>
-              </a:solidFill>
-              <a:latin typeface="メイリオ" panose="020B0604030504040204" pitchFamily="50" charset="-128"/>
-              <a:ea typeface="メイリオ" panose="020B0604030504040204" pitchFamily="50" charset="-128"/>
-            </a:endParaRPr>
+              <a:t>ツールバー</a:t>
+            </a:r>
           </a:p>
         </p:txBody>
       </p:sp>
     </p:spTree>
     <p:extLst>
       <p:ext uri="{BB962C8B-B14F-4D97-AF65-F5344CB8AC3E}">
-        <p14:creationId xmlns:p14="http://schemas.microsoft.com/office/powerpoint/2010/main" val="3708337015"/>
+        <p14:creationId xmlns:p14="http://schemas.microsoft.com/office/powerpoint/2010/main" val="3616500974"/>
       </p:ext>
     </p:extLst>
   </p:cSld>

--- a/ppt/figures.pptx
+++ b/ppt/figures.pptx
@@ -8,6 +8,7 @@
     <p:sldId id="257" r:id="rId2"/>
     <p:sldId id="259" r:id="rId3"/>
     <p:sldId id="258" r:id="rId4"/>
+    <p:sldId id="260" r:id="rId5"/>
   </p:sldIdLst>
   <p:sldSz cx="12192000" cy="6858000"/>
   <p:notesSz cx="6858000" cy="9144000"/>
@@ -261,7 +262,7 @@
           <a:p>
             <a:fld id="{C2B90DAE-E059-466C-8E92-F78B85FC3301}" type="datetimeFigureOut">
               <a:rPr kumimoji="1" lang="ja-JP" altLang="en-US" smtClean="0"/>
-              <a:t>2018/12/28</a:t>
+              <a:t>2019/1/28</a:t>
             </a:fld>
             <a:endParaRPr kumimoji="1" lang="ja-JP" altLang="en-US"/>
           </a:p>
@@ -491,7 +492,7 @@
           <a:p>
             <a:fld id="{C2B90DAE-E059-466C-8E92-F78B85FC3301}" type="datetimeFigureOut">
               <a:rPr kumimoji="1" lang="ja-JP" altLang="en-US" smtClean="0"/>
-              <a:t>2018/12/28</a:t>
+              <a:t>2019/1/28</a:t>
             </a:fld>
             <a:endParaRPr kumimoji="1" lang="ja-JP" altLang="en-US"/>
           </a:p>
@@ -731,7 +732,7 @@
           <a:p>
             <a:fld id="{C2B90DAE-E059-466C-8E92-F78B85FC3301}" type="datetimeFigureOut">
               <a:rPr kumimoji="1" lang="ja-JP" altLang="en-US" smtClean="0"/>
-              <a:t>2018/12/28</a:t>
+              <a:t>2019/1/28</a:t>
             </a:fld>
             <a:endParaRPr kumimoji="1" lang="ja-JP" altLang="en-US"/>
           </a:p>
@@ -961,7 +962,7 @@
           <a:p>
             <a:fld id="{C2B90DAE-E059-466C-8E92-F78B85FC3301}" type="datetimeFigureOut">
               <a:rPr kumimoji="1" lang="ja-JP" altLang="en-US" smtClean="0"/>
-              <a:t>2018/12/28</a:t>
+              <a:t>2019/1/28</a:t>
             </a:fld>
             <a:endParaRPr kumimoji="1" lang="ja-JP" altLang="en-US"/>
           </a:p>
@@ -1236,7 +1237,7 @@
           <a:p>
             <a:fld id="{C2B90DAE-E059-466C-8E92-F78B85FC3301}" type="datetimeFigureOut">
               <a:rPr kumimoji="1" lang="ja-JP" altLang="en-US" smtClean="0"/>
-              <a:t>2018/12/28</a:t>
+              <a:t>2019/1/28</a:t>
             </a:fld>
             <a:endParaRPr kumimoji="1" lang="ja-JP" altLang="en-US"/>
           </a:p>
@@ -1565,7 +1566,7 @@
           <a:p>
             <a:fld id="{C2B90DAE-E059-466C-8E92-F78B85FC3301}" type="datetimeFigureOut">
               <a:rPr kumimoji="1" lang="ja-JP" altLang="en-US" smtClean="0"/>
-              <a:t>2018/12/28</a:t>
+              <a:t>2019/1/28</a:t>
             </a:fld>
             <a:endParaRPr kumimoji="1" lang="ja-JP" altLang="en-US"/>
           </a:p>
@@ -2041,7 +2042,7 @@
           <a:p>
             <a:fld id="{C2B90DAE-E059-466C-8E92-F78B85FC3301}" type="datetimeFigureOut">
               <a:rPr kumimoji="1" lang="ja-JP" altLang="en-US" smtClean="0"/>
-              <a:t>2018/12/28</a:t>
+              <a:t>2019/1/28</a:t>
             </a:fld>
             <a:endParaRPr kumimoji="1" lang="ja-JP" altLang="en-US"/>
           </a:p>
@@ -2182,7 +2183,7 @@
           <a:p>
             <a:fld id="{C2B90DAE-E059-466C-8E92-F78B85FC3301}" type="datetimeFigureOut">
               <a:rPr kumimoji="1" lang="ja-JP" altLang="en-US" smtClean="0"/>
-              <a:t>2018/12/28</a:t>
+              <a:t>2019/1/28</a:t>
             </a:fld>
             <a:endParaRPr kumimoji="1" lang="ja-JP" altLang="en-US"/>
           </a:p>
@@ -2295,7 +2296,7 @@
           <a:p>
             <a:fld id="{C2B90DAE-E059-466C-8E92-F78B85FC3301}" type="datetimeFigureOut">
               <a:rPr kumimoji="1" lang="ja-JP" altLang="en-US" smtClean="0"/>
-              <a:t>2018/12/28</a:t>
+              <a:t>2019/1/28</a:t>
             </a:fld>
             <a:endParaRPr kumimoji="1" lang="ja-JP" altLang="en-US"/>
           </a:p>
@@ -2638,7 +2639,7 @@
           <a:p>
             <a:fld id="{C2B90DAE-E059-466C-8E92-F78B85FC3301}" type="datetimeFigureOut">
               <a:rPr kumimoji="1" lang="ja-JP" altLang="en-US" smtClean="0"/>
-              <a:t>2018/12/28</a:t>
+              <a:t>2019/1/28</a:t>
             </a:fld>
             <a:endParaRPr kumimoji="1" lang="ja-JP" altLang="en-US"/>
           </a:p>
@@ -2926,7 +2927,7 @@
           <a:p>
             <a:fld id="{C2B90DAE-E059-466C-8E92-F78B85FC3301}" type="datetimeFigureOut">
               <a:rPr kumimoji="1" lang="ja-JP" altLang="en-US" smtClean="0"/>
-              <a:t>2018/12/28</a:t>
+              <a:t>2019/1/28</a:t>
             </a:fld>
             <a:endParaRPr kumimoji="1" lang="ja-JP" altLang="en-US"/>
           </a:p>
@@ -3199,7 +3200,7 @@
           <a:p>
             <a:fld id="{C2B90DAE-E059-466C-8E92-F78B85FC3301}" type="datetimeFigureOut">
               <a:rPr kumimoji="1" lang="ja-JP" altLang="en-US" smtClean="0"/>
-              <a:t>2018/12/28</a:t>
+              <a:t>2019/1/28</a:t>
             </a:fld>
             <a:endParaRPr kumimoji="1" lang="ja-JP" altLang="en-US"/>
           </a:p>
@@ -4745,6 +4746,835 @@
 </p:sld>
 </file>
 
+<file path=ppt/slides/slide4.xml><?xml version="1.0" encoding="utf-8"?>
+<p:sld xmlns:a="http://schemas.openxmlformats.org/drawingml/2006/main" xmlns:r="http://schemas.openxmlformats.org/officeDocument/2006/relationships" xmlns:p="http://schemas.openxmlformats.org/presentationml/2006/main">
+  <p:cSld>
+    <p:spTree>
+      <p:nvGrpSpPr>
+        <p:cNvPr id="1" name=""/>
+        <p:cNvGrpSpPr/>
+        <p:nvPr/>
+      </p:nvGrpSpPr>
+      <p:grpSpPr>
+        <a:xfrm>
+          <a:off x="0" y="0"/>
+          <a:ext cx="0" cy="0"/>
+          <a:chOff x="0" y="0"/>
+          <a:chExt cx="0" cy="0"/>
+        </a:xfrm>
+      </p:grpSpPr>
+      <p:pic>
+        <p:nvPicPr>
+          <p:cNvPr id="2" name="図 1">
+            <a:extLst>
+              <a:ext uri="{FF2B5EF4-FFF2-40B4-BE49-F238E27FC236}">
+                <a16:creationId xmlns:a16="http://schemas.microsoft.com/office/drawing/2014/main" id="{83D29942-4D22-489D-92BA-53DF11012063}"/>
+              </a:ext>
+            </a:extLst>
+          </p:cNvPr>
+          <p:cNvPicPr>
+            <a:picLocks noChangeAspect="1"/>
+          </p:cNvPicPr>
+          <p:nvPr/>
+        </p:nvPicPr>
+        <p:blipFill>
+          <a:blip r:embed="rId2">
+            <a:extLst>
+              <a:ext uri="{BEBA8EAE-BF5A-486C-A8C5-ECC9F3942E4B}">
+                <a14:imgProps xmlns:a14="http://schemas.microsoft.com/office/drawing/2010/main">
+                  <a14:imgLayer r:embed="rId3">
+                    <a14:imgEffect>
+                      <a14:saturation sat="76000"/>
+                    </a14:imgEffect>
+                    <a14:imgEffect>
+                      <a14:brightnessContrast bright="-4000" contrast="-34000"/>
+                    </a14:imgEffect>
+                  </a14:imgLayer>
+                </a14:imgProps>
+              </a:ext>
+            </a:extLst>
+          </a:blip>
+          <a:stretch>
+            <a:fillRect/>
+          </a:stretch>
+        </p:blipFill>
+        <p:spPr>
+          <a:xfrm>
+            <a:off x="1858636" y="1066799"/>
+            <a:ext cx="8092188" cy="5421565"/>
+          </a:xfrm>
+          <a:prstGeom prst="rect">
+            <a:avLst/>
+          </a:prstGeom>
+        </p:spPr>
+      </p:pic>
+      <p:sp>
+        <p:nvSpPr>
+          <p:cNvPr id="20" name="正方形/長方形 19">
+            <a:extLst>
+              <a:ext uri="{FF2B5EF4-FFF2-40B4-BE49-F238E27FC236}">
+                <a16:creationId xmlns:a16="http://schemas.microsoft.com/office/drawing/2014/main" id="{1FF13EF8-D8C1-41C6-A903-BD15BD348C55}"/>
+              </a:ext>
+            </a:extLst>
+          </p:cNvPr>
+          <p:cNvSpPr/>
+          <p:nvPr/>
+        </p:nvSpPr>
+        <p:spPr>
+          <a:xfrm>
+            <a:off x="6222379" y="3222702"/>
+            <a:ext cx="3711715" cy="1851103"/>
+          </a:xfrm>
+          <a:prstGeom prst="rect">
+            <a:avLst/>
+          </a:prstGeom>
+          <a:noFill/>
+          <a:ln w="25400">
+            <a:solidFill>
+              <a:srgbClr val="FF0000"/>
+            </a:solidFill>
+          </a:ln>
+        </p:spPr>
+        <p:style>
+          <a:lnRef idx="2">
+            <a:schemeClr val="accent1">
+              <a:shade val="50000"/>
+            </a:schemeClr>
+          </a:lnRef>
+          <a:fillRef idx="1">
+            <a:schemeClr val="accent1"/>
+          </a:fillRef>
+          <a:effectRef idx="0">
+            <a:schemeClr val="accent1"/>
+          </a:effectRef>
+          <a:fontRef idx="minor">
+            <a:schemeClr val="lt1"/>
+          </a:fontRef>
+        </p:style>
+        <p:txBody>
+          <a:bodyPr rtlCol="0" anchor="ctr"/>
+          <a:lstStyle/>
+          <a:p>
+            <a:pPr algn="ctr"/>
+            <a:endParaRPr kumimoji="1" lang="ja-JP" altLang="en-US"/>
+          </a:p>
+        </p:txBody>
+      </p:sp>
+      <p:sp>
+        <p:nvSpPr>
+          <p:cNvPr id="22" name="テキスト ボックス 21">
+            <a:extLst>
+              <a:ext uri="{FF2B5EF4-FFF2-40B4-BE49-F238E27FC236}">
+                <a16:creationId xmlns:a16="http://schemas.microsoft.com/office/drawing/2014/main" id="{DEC490C6-24C0-4D8B-8397-332CBA857A41}"/>
+              </a:ext>
+            </a:extLst>
+          </p:cNvPr>
+          <p:cNvSpPr txBox="1"/>
+          <p:nvPr/>
+        </p:nvSpPr>
+        <p:spPr>
+          <a:xfrm>
+            <a:off x="7377290" y="3870422"/>
+            <a:ext cx="1792478" cy="307777"/>
+          </a:xfrm>
+          <a:prstGeom prst="rect">
+            <a:avLst/>
+          </a:prstGeom>
+          <a:solidFill>
+            <a:schemeClr val="bg1"/>
+          </a:solidFill>
+          <a:ln>
+            <a:solidFill>
+              <a:schemeClr val="tx1"/>
+            </a:solidFill>
+          </a:ln>
+        </p:spPr>
+        <p:txBody>
+          <a:bodyPr wrap="none" rtlCol="0">
+            <a:spAutoFit/>
+          </a:bodyPr>
+          <a:lstStyle/>
+          <a:p>
+            <a:r>
+              <a:rPr lang="en-US" altLang="ja-JP" sz="1400" dirty="0">
+                <a:solidFill>
+                  <a:srgbClr val="FF0000"/>
+                </a:solidFill>
+                <a:latin typeface="メイリオ" panose="020B0604030504040204" pitchFamily="50" charset="-128"/>
+                <a:ea typeface="メイリオ" panose="020B0604030504040204" pitchFamily="50" charset="-128"/>
+              </a:rPr>
+              <a:t>Coordinate Viewer</a:t>
+            </a:r>
+            <a:endParaRPr kumimoji="1" lang="ja-JP" altLang="en-US" sz="1400" dirty="0">
+              <a:solidFill>
+                <a:srgbClr val="FF0000"/>
+              </a:solidFill>
+              <a:latin typeface="メイリオ" panose="020B0604030504040204" pitchFamily="50" charset="-128"/>
+              <a:ea typeface="メイリオ" panose="020B0604030504040204" pitchFamily="50" charset="-128"/>
+            </a:endParaRPr>
+          </a:p>
+        </p:txBody>
+      </p:sp>
+      <p:sp>
+        <p:nvSpPr>
+          <p:cNvPr id="23" name="正方形/長方形 22">
+            <a:extLst>
+              <a:ext uri="{FF2B5EF4-FFF2-40B4-BE49-F238E27FC236}">
+                <a16:creationId xmlns:a16="http://schemas.microsoft.com/office/drawing/2014/main" id="{6AE1F9FE-7050-416B-962E-1A5CACE9DEF9}"/>
+              </a:ext>
+            </a:extLst>
+          </p:cNvPr>
+          <p:cNvSpPr/>
+          <p:nvPr/>
+        </p:nvSpPr>
+        <p:spPr>
+          <a:xfrm>
+            <a:off x="6222379" y="5108138"/>
+            <a:ext cx="3711715" cy="400563"/>
+          </a:xfrm>
+          <a:prstGeom prst="rect">
+            <a:avLst/>
+          </a:prstGeom>
+          <a:noFill/>
+          <a:ln w="25400">
+            <a:solidFill>
+              <a:srgbClr val="FF0000"/>
+            </a:solidFill>
+          </a:ln>
+        </p:spPr>
+        <p:style>
+          <a:lnRef idx="2">
+            <a:schemeClr val="accent1">
+              <a:shade val="50000"/>
+            </a:schemeClr>
+          </a:lnRef>
+          <a:fillRef idx="1">
+            <a:schemeClr val="accent1"/>
+          </a:fillRef>
+          <a:effectRef idx="0">
+            <a:schemeClr val="accent1"/>
+          </a:effectRef>
+          <a:fontRef idx="minor">
+            <a:schemeClr val="lt1"/>
+          </a:fontRef>
+        </p:style>
+        <p:txBody>
+          <a:bodyPr rtlCol="0" anchor="ctr"/>
+          <a:lstStyle/>
+          <a:p>
+            <a:pPr algn="ctr"/>
+            <a:endParaRPr kumimoji="1" lang="ja-JP" altLang="en-US"/>
+          </a:p>
+        </p:txBody>
+      </p:sp>
+      <p:sp>
+        <p:nvSpPr>
+          <p:cNvPr id="24" name="テキスト ボックス 23">
+            <a:extLst>
+              <a:ext uri="{FF2B5EF4-FFF2-40B4-BE49-F238E27FC236}">
+                <a16:creationId xmlns:a16="http://schemas.microsoft.com/office/drawing/2014/main" id="{D2B37EFF-EFA4-416C-B92B-484C2D09F1AB}"/>
+              </a:ext>
+            </a:extLst>
+          </p:cNvPr>
+          <p:cNvSpPr txBox="1"/>
+          <p:nvPr/>
+        </p:nvSpPr>
+        <p:spPr>
+          <a:xfrm>
+            <a:off x="7377290" y="5156190"/>
+            <a:ext cx="1707519" cy="307777"/>
+          </a:xfrm>
+          <a:prstGeom prst="rect">
+            <a:avLst/>
+          </a:prstGeom>
+          <a:solidFill>
+            <a:schemeClr val="bg1"/>
+          </a:solidFill>
+          <a:ln>
+            <a:solidFill>
+              <a:schemeClr val="tx1"/>
+            </a:solidFill>
+          </a:ln>
+        </p:spPr>
+        <p:txBody>
+          <a:bodyPr wrap="none" rtlCol="0">
+            <a:spAutoFit/>
+          </a:bodyPr>
+          <a:lstStyle/>
+          <a:p>
+            <a:r>
+              <a:rPr lang="en-US" altLang="ja-JP" sz="1400" dirty="0">
+                <a:solidFill>
+                  <a:srgbClr val="FF0000"/>
+                </a:solidFill>
+                <a:latin typeface="メイリオ" panose="020B0604030504040204" pitchFamily="50" charset="-128"/>
+                <a:ea typeface="メイリオ" panose="020B0604030504040204" pitchFamily="50" charset="-128"/>
+              </a:rPr>
+              <a:t>Coordinate Editor</a:t>
+            </a:r>
+            <a:endParaRPr kumimoji="1" lang="ja-JP" altLang="en-US" sz="1400" dirty="0">
+              <a:solidFill>
+                <a:srgbClr val="FF0000"/>
+              </a:solidFill>
+              <a:latin typeface="メイリオ" panose="020B0604030504040204" pitchFamily="50" charset="-128"/>
+              <a:ea typeface="メイリオ" panose="020B0604030504040204" pitchFamily="50" charset="-128"/>
+            </a:endParaRPr>
+          </a:p>
+        </p:txBody>
+      </p:sp>
+      <p:sp>
+        <p:nvSpPr>
+          <p:cNvPr id="25" name="正方形/長方形 24">
+            <a:extLst>
+              <a:ext uri="{FF2B5EF4-FFF2-40B4-BE49-F238E27FC236}">
+                <a16:creationId xmlns:a16="http://schemas.microsoft.com/office/drawing/2014/main" id="{4E836F2A-9363-43BE-9B04-886EBBF6A05E}"/>
+              </a:ext>
+            </a:extLst>
+          </p:cNvPr>
+          <p:cNvSpPr/>
+          <p:nvPr/>
+        </p:nvSpPr>
+        <p:spPr>
+          <a:xfrm>
+            <a:off x="6222379" y="5564459"/>
+            <a:ext cx="3711715" cy="713677"/>
+          </a:xfrm>
+          <a:prstGeom prst="rect">
+            <a:avLst/>
+          </a:prstGeom>
+          <a:noFill/>
+          <a:ln w="25400">
+            <a:solidFill>
+              <a:srgbClr val="FF0000"/>
+            </a:solidFill>
+          </a:ln>
+        </p:spPr>
+        <p:style>
+          <a:lnRef idx="2">
+            <a:schemeClr val="accent1">
+              <a:shade val="50000"/>
+            </a:schemeClr>
+          </a:lnRef>
+          <a:fillRef idx="1">
+            <a:schemeClr val="accent1"/>
+          </a:fillRef>
+          <a:effectRef idx="0">
+            <a:schemeClr val="accent1"/>
+          </a:effectRef>
+          <a:fontRef idx="minor">
+            <a:schemeClr val="lt1"/>
+          </a:fontRef>
+        </p:style>
+        <p:txBody>
+          <a:bodyPr rtlCol="0" anchor="ctr"/>
+          <a:lstStyle/>
+          <a:p>
+            <a:pPr algn="ctr"/>
+            <a:endParaRPr kumimoji="1" lang="ja-JP" altLang="en-US"/>
+          </a:p>
+        </p:txBody>
+      </p:sp>
+      <p:sp>
+        <p:nvSpPr>
+          <p:cNvPr id="26" name="正方形/長方形 25">
+            <a:extLst>
+              <a:ext uri="{FF2B5EF4-FFF2-40B4-BE49-F238E27FC236}">
+                <a16:creationId xmlns:a16="http://schemas.microsoft.com/office/drawing/2014/main" id="{5E7BF7E5-B786-4138-84A5-DD4AA7298824}"/>
+              </a:ext>
+            </a:extLst>
+          </p:cNvPr>
+          <p:cNvSpPr/>
+          <p:nvPr/>
+        </p:nvSpPr>
+        <p:spPr>
+          <a:xfrm>
+            <a:off x="6222379" y="2236950"/>
+            <a:ext cx="3711715" cy="952299"/>
+          </a:xfrm>
+          <a:prstGeom prst="rect">
+            <a:avLst/>
+          </a:prstGeom>
+          <a:noFill/>
+          <a:ln w="25400">
+            <a:solidFill>
+              <a:srgbClr val="FF0000"/>
+            </a:solidFill>
+          </a:ln>
+        </p:spPr>
+        <p:style>
+          <a:lnRef idx="2">
+            <a:schemeClr val="accent1">
+              <a:shade val="50000"/>
+            </a:schemeClr>
+          </a:lnRef>
+          <a:fillRef idx="1">
+            <a:schemeClr val="accent1"/>
+          </a:fillRef>
+          <a:effectRef idx="0">
+            <a:schemeClr val="accent1"/>
+          </a:effectRef>
+          <a:fontRef idx="minor">
+            <a:schemeClr val="lt1"/>
+          </a:fontRef>
+        </p:style>
+        <p:txBody>
+          <a:bodyPr rtlCol="0" anchor="ctr"/>
+          <a:lstStyle/>
+          <a:p>
+            <a:pPr algn="ctr"/>
+            <a:endParaRPr kumimoji="1" lang="ja-JP" altLang="en-US"/>
+          </a:p>
+        </p:txBody>
+      </p:sp>
+      <p:sp>
+        <p:nvSpPr>
+          <p:cNvPr id="27" name="テキスト ボックス 26">
+            <a:extLst>
+              <a:ext uri="{FF2B5EF4-FFF2-40B4-BE49-F238E27FC236}">
+                <a16:creationId xmlns:a16="http://schemas.microsoft.com/office/drawing/2014/main" id="{C5F50EF6-6032-46F0-B0AE-FC15C73CC1E9}"/>
+              </a:ext>
+            </a:extLst>
+          </p:cNvPr>
+          <p:cNvSpPr txBox="1"/>
+          <p:nvPr/>
+        </p:nvSpPr>
+        <p:spPr>
+          <a:xfrm>
+            <a:off x="7339814" y="2507636"/>
+            <a:ext cx="1516377" cy="307777"/>
+          </a:xfrm>
+          <a:prstGeom prst="rect">
+            <a:avLst/>
+          </a:prstGeom>
+          <a:solidFill>
+            <a:schemeClr val="bg1"/>
+          </a:solidFill>
+          <a:ln>
+            <a:solidFill>
+              <a:schemeClr val="tx1"/>
+            </a:solidFill>
+          </a:ln>
+        </p:spPr>
+        <p:txBody>
+          <a:bodyPr wrap="none" rtlCol="0" anchor="ctr">
+            <a:spAutoFit/>
+          </a:bodyPr>
+          <a:lstStyle/>
+          <a:p>
+            <a:pPr algn="ctr"/>
+            <a:r>
+              <a:rPr lang="en-US" altLang="ja-JP" sz="1400" dirty="0">
+                <a:solidFill>
+                  <a:srgbClr val="FF0000"/>
+                </a:solidFill>
+                <a:latin typeface="メイリオ" panose="020B0604030504040204" pitchFamily="50" charset="-128"/>
+                <a:ea typeface="メイリオ" panose="020B0604030504040204" pitchFamily="50" charset="-128"/>
+              </a:rPr>
+              <a:t>Keyword Editor</a:t>
+            </a:r>
+            <a:endParaRPr kumimoji="1" lang="ja-JP" altLang="en-US" sz="1400" dirty="0">
+              <a:solidFill>
+                <a:srgbClr val="FF0000"/>
+              </a:solidFill>
+              <a:latin typeface="メイリオ" panose="020B0604030504040204" pitchFamily="50" charset="-128"/>
+              <a:ea typeface="メイリオ" panose="020B0604030504040204" pitchFamily="50" charset="-128"/>
+            </a:endParaRPr>
+          </a:p>
+        </p:txBody>
+      </p:sp>
+      <p:sp>
+        <p:nvSpPr>
+          <p:cNvPr id="28" name="テキスト ボックス 27">
+            <a:extLst>
+              <a:ext uri="{FF2B5EF4-FFF2-40B4-BE49-F238E27FC236}">
+                <a16:creationId xmlns:a16="http://schemas.microsoft.com/office/drawing/2014/main" id="{236922A4-C6C5-48E7-83A3-F7CC2803F8E5}"/>
+              </a:ext>
+            </a:extLst>
+          </p:cNvPr>
+          <p:cNvSpPr txBox="1"/>
+          <p:nvPr/>
+        </p:nvSpPr>
+        <p:spPr>
+          <a:xfrm>
+            <a:off x="6783899" y="5767497"/>
+            <a:ext cx="2628220" cy="307777"/>
+          </a:xfrm>
+          <a:prstGeom prst="rect">
+            <a:avLst/>
+          </a:prstGeom>
+          <a:solidFill>
+            <a:schemeClr val="bg1"/>
+          </a:solidFill>
+          <a:ln>
+            <a:solidFill>
+              <a:schemeClr val="tx1"/>
+            </a:solidFill>
+          </a:ln>
+        </p:spPr>
+        <p:txBody>
+          <a:bodyPr wrap="none" rtlCol="0" anchor="ctr">
+            <a:spAutoFit/>
+          </a:bodyPr>
+          <a:lstStyle/>
+          <a:p>
+            <a:pPr algn="ctr"/>
+            <a:r>
+              <a:rPr lang="en-US" altLang="ja-JP" sz="1400" dirty="0">
+                <a:solidFill>
+                  <a:srgbClr val="FF0000"/>
+                </a:solidFill>
+                <a:latin typeface="メイリオ" panose="020B0604030504040204" pitchFamily="50" charset="-128"/>
+                <a:ea typeface="メイリオ" panose="020B0604030504040204" pitchFamily="50" charset="-128"/>
+              </a:rPr>
+              <a:t>Keyword Editor (secondary)</a:t>
+            </a:r>
+            <a:endParaRPr kumimoji="1" lang="ja-JP" altLang="en-US" sz="1400" dirty="0">
+              <a:solidFill>
+                <a:srgbClr val="FF0000"/>
+              </a:solidFill>
+              <a:latin typeface="メイリオ" panose="020B0604030504040204" pitchFamily="50" charset="-128"/>
+              <a:ea typeface="メイリオ" panose="020B0604030504040204" pitchFamily="50" charset="-128"/>
+            </a:endParaRPr>
+          </a:p>
+        </p:txBody>
+      </p:sp>
+      <p:sp>
+        <p:nvSpPr>
+          <p:cNvPr id="29" name="正方形/長方形 28">
+            <a:extLst>
+              <a:ext uri="{FF2B5EF4-FFF2-40B4-BE49-F238E27FC236}">
+                <a16:creationId xmlns:a16="http://schemas.microsoft.com/office/drawing/2014/main" id="{4BDFDD03-FC6C-412C-8E41-185C492FF0E3}"/>
+              </a:ext>
+            </a:extLst>
+          </p:cNvPr>
+          <p:cNvSpPr/>
+          <p:nvPr/>
+        </p:nvSpPr>
+        <p:spPr>
+          <a:xfrm>
+            <a:off x="2171700" y="2236950"/>
+            <a:ext cx="3983773" cy="4041187"/>
+          </a:xfrm>
+          <a:prstGeom prst="rect">
+            <a:avLst/>
+          </a:prstGeom>
+          <a:noFill/>
+          <a:ln w="25400">
+            <a:solidFill>
+              <a:srgbClr val="FF0000"/>
+            </a:solidFill>
+          </a:ln>
+        </p:spPr>
+        <p:style>
+          <a:lnRef idx="2">
+            <a:schemeClr val="accent1">
+              <a:shade val="50000"/>
+            </a:schemeClr>
+          </a:lnRef>
+          <a:fillRef idx="1">
+            <a:schemeClr val="accent1"/>
+          </a:fillRef>
+          <a:effectRef idx="0">
+            <a:schemeClr val="accent1"/>
+          </a:effectRef>
+          <a:fontRef idx="minor">
+            <a:schemeClr val="lt1"/>
+          </a:fontRef>
+        </p:style>
+        <p:txBody>
+          <a:bodyPr rtlCol="0" anchor="ctr"/>
+          <a:lstStyle/>
+          <a:p>
+            <a:pPr algn="ctr"/>
+            <a:endParaRPr kumimoji="1" lang="ja-JP" altLang="en-US"/>
+          </a:p>
+        </p:txBody>
+      </p:sp>
+      <p:sp>
+        <p:nvSpPr>
+          <p:cNvPr id="30" name="テキスト ボックス 29">
+            <a:extLst>
+              <a:ext uri="{FF2B5EF4-FFF2-40B4-BE49-F238E27FC236}">
+                <a16:creationId xmlns:a16="http://schemas.microsoft.com/office/drawing/2014/main" id="{1DD5C4CE-609F-4C6B-A9F7-6A7ECAA1C2AE}"/>
+              </a:ext>
+            </a:extLst>
+          </p:cNvPr>
+          <p:cNvSpPr txBox="1"/>
+          <p:nvPr/>
+        </p:nvSpPr>
+        <p:spPr>
+          <a:xfrm>
+            <a:off x="3747381" y="4622207"/>
+            <a:ext cx="964688" cy="307777"/>
+          </a:xfrm>
+          <a:prstGeom prst="rect">
+            <a:avLst/>
+          </a:prstGeom>
+          <a:solidFill>
+            <a:schemeClr val="bg1"/>
+          </a:solidFill>
+          <a:ln>
+            <a:solidFill>
+              <a:schemeClr val="tx1"/>
+            </a:solidFill>
+          </a:ln>
+        </p:spPr>
+        <p:txBody>
+          <a:bodyPr wrap="none" rtlCol="0" anchor="ctr">
+            <a:spAutoFit/>
+          </a:bodyPr>
+          <a:lstStyle/>
+          <a:p>
+            <a:pPr algn="ctr"/>
+            <a:r>
+              <a:rPr kumimoji="1" lang="en-US" altLang="ja-JP" sz="1400" dirty="0">
+                <a:solidFill>
+                  <a:srgbClr val="FF0000"/>
+                </a:solidFill>
+                <a:latin typeface="メイリオ" panose="020B0604030504040204" pitchFamily="50" charset="-128"/>
+                <a:ea typeface="メイリオ" panose="020B0604030504040204" pitchFamily="50" charset="-128"/>
+              </a:rPr>
+              <a:t>Viewport</a:t>
+            </a:r>
+            <a:endParaRPr kumimoji="1" lang="ja-JP" altLang="en-US" sz="1400" dirty="0">
+              <a:solidFill>
+                <a:srgbClr val="FF0000"/>
+              </a:solidFill>
+              <a:latin typeface="メイリオ" panose="020B0604030504040204" pitchFamily="50" charset="-128"/>
+              <a:ea typeface="メイリオ" panose="020B0604030504040204" pitchFamily="50" charset="-128"/>
+            </a:endParaRPr>
+          </a:p>
+        </p:txBody>
+      </p:sp>
+      <p:sp>
+        <p:nvSpPr>
+          <p:cNvPr id="32" name="正方形/長方形 31">
+            <a:extLst>
+              <a:ext uri="{FF2B5EF4-FFF2-40B4-BE49-F238E27FC236}">
+                <a16:creationId xmlns:a16="http://schemas.microsoft.com/office/drawing/2014/main" id="{EC92727E-1151-4174-BD1D-496AD3C4C59B}"/>
+              </a:ext>
+            </a:extLst>
+          </p:cNvPr>
+          <p:cNvSpPr/>
+          <p:nvPr/>
+        </p:nvSpPr>
+        <p:spPr>
+          <a:xfrm>
+            <a:off x="1870254" y="2236949"/>
+            <a:ext cx="270779" cy="4041187"/>
+          </a:xfrm>
+          <a:prstGeom prst="rect">
+            <a:avLst/>
+          </a:prstGeom>
+          <a:noFill/>
+          <a:ln w="25400">
+            <a:solidFill>
+              <a:srgbClr val="FF0000"/>
+            </a:solidFill>
+          </a:ln>
+        </p:spPr>
+        <p:style>
+          <a:lnRef idx="2">
+            <a:schemeClr val="accent1">
+              <a:shade val="50000"/>
+            </a:schemeClr>
+          </a:lnRef>
+          <a:fillRef idx="1">
+            <a:schemeClr val="accent1"/>
+          </a:fillRef>
+          <a:effectRef idx="0">
+            <a:schemeClr val="accent1"/>
+          </a:effectRef>
+          <a:fontRef idx="minor">
+            <a:schemeClr val="lt1"/>
+          </a:fontRef>
+        </p:style>
+        <p:txBody>
+          <a:bodyPr rtlCol="0" anchor="ctr"/>
+          <a:lstStyle/>
+          <a:p>
+            <a:pPr algn="ctr"/>
+            <a:endParaRPr kumimoji="1" lang="ja-JP" altLang="en-US"/>
+          </a:p>
+        </p:txBody>
+      </p:sp>
+      <p:sp>
+        <p:nvSpPr>
+          <p:cNvPr id="35" name="正方形/長方形 34">
+            <a:extLst>
+              <a:ext uri="{FF2B5EF4-FFF2-40B4-BE49-F238E27FC236}">
+                <a16:creationId xmlns:a16="http://schemas.microsoft.com/office/drawing/2014/main" id="{0DC9C64C-E4B5-4251-990D-21A5B0461017}"/>
+              </a:ext>
+            </a:extLst>
+          </p:cNvPr>
+          <p:cNvSpPr/>
+          <p:nvPr/>
+        </p:nvSpPr>
+        <p:spPr>
+          <a:xfrm>
+            <a:off x="1870254" y="1525682"/>
+            <a:ext cx="8054796" cy="636493"/>
+          </a:xfrm>
+          <a:prstGeom prst="rect">
+            <a:avLst/>
+          </a:prstGeom>
+          <a:noFill/>
+          <a:ln w="25400">
+            <a:solidFill>
+              <a:srgbClr val="FF0000"/>
+            </a:solidFill>
+          </a:ln>
+        </p:spPr>
+        <p:style>
+          <a:lnRef idx="2">
+            <a:schemeClr val="accent1">
+              <a:shade val="50000"/>
+            </a:schemeClr>
+          </a:lnRef>
+          <a:fillRef idx="1">
+            <a:schemeClr val="accent1"/>
+          </a:fillRef>
+          <a:effectRef idx="0">
+            <a:schemeClr val="accent1"/>
+          </a:effectRef>
+          <a:fontRef idx="minor">
+            <a:schemeClr val="lt1"/>
+          </a:fontRef>
+        </p:style>
+        <p:txBody>
+          <a:bodyPr rtlCol="0" anchor="ctr"/>
+          <a:lstStyle/>
+          <a:p>
+            <a:pPr algn="ctr"/>
+            <a:endParaRPr kumimoji="1" lang="ja-JP" altLang="en-US"/>
+          </a:p>
+        </p:txBody>
+      </p:sp>
+      <p:sp>
+        <p:nvSpPr>
+          <p:cNvPr id="36" name="テキスト ボックス 35">
+            <a:extLst>
+              <a:ext uri="{FF2B5EF4-FFF2-40B4-BE49-F238E27FC236}">
+                <a16:creationId xmlns:a16="http://schemas.microsoft.com/office/drawing/2014/main" id="{C9C1B1AC-9C10-41B9-B37C-B9D479B32B85}"/>
+              </a:ext>
+            </a:extLst>
+          </p:cNvPr>
+          <p:cNvSpPr txBox="1"/>
+          <p:nvPr/>
+        </p:nvSpPr>
+        <p:spPr>
+          <a:xfrm>
+            <a:off x="3688548" y="1690039"/>
+            <a:ext cx="1082349" cy="307777"/>
+          </a:xfrm>
+          <a:prstGeom prst="rect">
+            <a:avLst/>
+          </a:prstGeom>
+          <a:solidFill>
+            <a:schemeClr val="bg1"/>
+          </a:solidFill>
+          <a:ln>
+            <a:solidFill>
+              <a:schemeClr val="tx1"/>
+            </a:solidFill>
+          </a:ln>
+        </p:spPr>
+        <p:txBody>
+          <a:bodyPr wrap="square" rtlCol="0" anchor="ctr">
+            <a:spAutoFit/>
+          </a:bodyPr>
+          <a:lstStyle/>
+          <a:p>
+            <a:pPr algn="ctr"/>
+            <a:r>
+              <a:rPr kumimoji="1" lang="en-US" altLang="ja-JP" sz="1400" dirty="0">
+                <a:solidFill>
+                  <a:srgbClr val="FF0000"/>
+                </a:solidFill>
+                <a:latin typeface="メイリオ" panose="020B0604030504040204" pitchFamily="50" charset="-128"/>
+                <a:ea typeface="メイリオ" panose="020B0604030504040204" pitchFamily="50" charset="-128"/>
+              </a:rPr>
+              <a:t>Toolbar</a:t>
+            </a:r>
+            <a:endParaRPr kumimoji="1" lang="ja-JP" altLang="en-US" sz="1400" dirty="0">
+              <a:solidFill>
+                <a:srgbClr val="FF0000"/>
+              </a:solidFill>
+              <a:latin typeface="メイリオ" panose="020B0604030504040204" pitchFamily="50" charset="-128"/>
+              <a:ea typeface="メイリオ" panose="020B0604030504040204" pitchFamily="50" charset="-128"/>
+            </a:endParaRPr>
+          </a:p>
+        </p:txBody>
+      </p:sp>
+      <p:sp>
+        <p:nvSpPr>
+          <p:cNvPr id="31" name="テキスト ボックス 30">
+            <a:extLst>
+              <a:ext uri="{FF2B5EF4-FFF2-40B4-BE49-F238E27FC236}">
+                <a16:creationId xmlns:a16="http://schemas.microsoft.com/office/drawing/2014/main" id="{70AAE6A0-3976-44E8-AEBA-9A7577834CF6}"/>
+              </a:ext>
+            </a:extLst>
+          </p:cNvPr>
+          <p:cNvSpPr txBox="1"/>
+          <p:nvPr/>
+        </p:nvSpPr>
+        <p:spPr>
+          <a:xfrm>
+            <a:off x="1329079" y="4622207"/>
+            <a:ext cx="1082349" cy="307777"/>
+          </a:xfrm>
+          <a:prstGeom prst="rect">
+            <a:avLst/>
+          </a:prstGeom>
+          <a:solidFill>
+            <a:schemeClr val="bg1"/>
+          </a:solidFill>
+          <a:ln>
+            <a:solidFill>
+              <a:schemeClr val="tx1"/>
+            </a:solidFill>
+          </a:ln>
+        </p:spPr>
+        <p:txBody>
+          <a:bodyPr wrap="square" rtlCol="0" anchor="ctr">
+            <a:spAutoFit/>
+          </a:bodyPr>
+          <a:lstStyle/>
+          <a:p>
+            <a:pPr algn="ctr"/>
+            <a:r>
+              <a:rPr kumimoji="1" lang="en-US" altLang="ja-JP" sz="1400" dirty="0">
+                <a:solidFill>
+                  <a:srgbClr val="FF0000"/>
+                </a:solidFill>
+                <a:latin typeface="メイリオ" panose="020B0604030504040204" pitchFamily="50" charset="-128"/>
+                <a:ea typeface="メイリオ" panose="020B0604030504040204" pitchFamily="50" charset="-128"/>
+              </a:rPr>
+              <a:t>Toolbar</a:t>
+            </a:r>
+            <a:endParaRPr kumimoji="1" lang="ja-JP" altLang="en-US" sz="1400" dirty="0">
+              <a:solidFill>
+                <a:srgbClr val="FF0000"/>
+              </a:solidFill>
+              <a:latin typeface="メイリオ" panose="020B0604030504040204" pitchFamily="50" charset="-128"/>
+              <a:ea typeface="メイリオ" panose="020B0604030504040204" pitchFamily="50" charset="-128"/>
+            </a:endParaRPr>
+          </a:p>
+        </p:txBody>
+      </p:sp>
+    </p:spTree>
+    <p:extLst>
+      <p:ext uri="{BB962C8B-B14F-4D97-AF65-F5344CB8AC3E}">
+        <p14:creationId xmlns:p14="http://schemas.microsoft.com/office/powerpoint/2010/main" val="2469926927"/>
+      </p:ext>
+    </p:extLst>
+  </p:cSld>
+  <p:clrMapOvr>
+    <a:masterClrMapping/>
+  </p:clrMapOvr>
+</p:sld>
+</file>
+
 <file path=ppt/theme/theme1.xml><?xml version="1.0" encoding="utf-8"?>
 <a:theme xmlns:a="http://schemas.openxmlformats.org/drawingml/2006/main" name="Office テーマ">
   <a:themeElements>
